--- a/Presentation/Crypto-Pitfalls.pptx
+++ b/Presentation/Crypto-Pitfalls.pptx
@@ -13,8 +13,9 @@
     <p:sldId id="264" r:id="rId7"/>
     <p:sldId id="266" r:id="rId8"/>
     <p:sldId id="265" r:id="rId9"/>
-    <p:sldId id="260" r:id="rId10"/>
-    <p:sldId id="262" r:id="rId11"/>
+    <p:sldId id="267" r:id="rId10"/>
+    <p:sldId id="260" r:id="rId11"/>
+    <p:sldId id="262" r:id="rId12"/>
   </p:sldIdLst>
   <p:sldSz cx="12192000" cy="6858000"/>
   <p:notesSz cx="6858000" cy="9144000"/>
@@ -252,7 +253,7 @@
           <a:p>
             <a:fld id="{82B1C88E-CFFD-47E5-AEA1-568AFED29D99}" type="datetimeFigureOut">
               <a:rPr lang="en-US" smtClean="0"/>
-              <a:t>2/3/2015</a:t>
+              <a:t>2/4/2015</a:t>
             </a:fld>
             <a:endParaRPr lang="en-US"/>
           </a:p>
@@ -422,7 +423,7 @@
           <a:p>
             <a:fld id="{82B1C88E-CFFD-47E5-AEA1-568AFED29D99}" type="datetimeFigureOut">
               <a:rPr lang="en-US" smtClean="0"/>
-              <a:t>2/3/2015</a:t>
+              <a:t>2/4/2015</a:t>
             </a:fld>
             <a:endParaRPr lang="en-US"/>
           </a:p>
@@ -602,7 +603,7 @@
           <a:p>
             <a:fld id="{82B1C88E-CFFD-47E5-AEA1-568AFED29D99}" type="datetimeFigureOut">
               <a:rPr lang="en-US" smtClean="0"/>
-              <a:t>2/3/2015</a:t>
+              <a:t>2/4/2015</a:t>
             </a:fld>
             <a:endParaRPr lang="en-US"/>
           </a:p>
@@ -772,7 +773,7 @@
           <a:p>
             <a:fld id="{82B1C88E-CFFD-47E5-AEA1-568AFED29D99}" type="datetimeFigureOut">
               <a:rPr lang="en-US" smtClean="0"/>
-              <a:t>2/3/2015</a:t>
+              <a:t>2/4/2015</a:t>
             </a:fld>
             <a:endParaRPr lang="en-US"/>
           </a:p>
@@ -1018,7 +1019,7 @@
           <a:p>
             <a:fld id="{82B1C88E-CFFD-47E5-AEA1-568AFED29D99}" type="datetimeFigureOut">
               <a:rPr lang="en-US" smtClean="0"/>
-              <a:t>2/3/2015</a:t>
+              <a:t>2/4/2015</a:t>
             </a:fld>
             <a:endParaRPr lang="en-US"/>
           </a:p>
@@ -1250,7 +1251,7 @@
           <a:p>
             <a:fld id="{82B1C88E-CFFD-47E5-AEA1-568AFED29D99}" type="datetimeFigureOut">
               <a:rPr lang="en-US" smtClean="0"/>
-              <a:t>2/3/2015</a:t>
+              <a:t>2/4/2015</a:t>
             </a:fld>
             <a:endParaRPr lang="en-US"/>
           </a:p>
@@ -1617,7 +1618,7 @@
           <a:p>
             <a:fld id="{82B1C88E-CFFD-47E5-AEA1-568AFED29D99}" type="datetimeFigureOut">
               <a:rPr lang="en-US" smtClean="0"/>
-              <a:t>2/3/2015</a:t>
+              <a:t>2/4/2015</a:t>
             </a:fld>
             <a:endParaRPr lang="en-US"/>
           </a:p>
@@ -1735,7 +1736,7 @@
           <a:p>
             <a:fld id="{82B1C88E-CFFD-47E5-AEA1-568AFED29D99}" type="datetimeFigureOut">
               <a:rPr lang="en-US" smtClean="0"/>
-              <a:t>2/3/2015</a:t>
+              <a:t>2/4/2015</a:t>
             </a:fld>
             <a:endParaRPr lang="en-US"/>
           </a:p>
@@ -1830,7 +1831,7 @@
           <a:p>
             <a:fld id="{82B1C88E-CFFD-47E5-AEA1-568AFED29D99}" type="datetimeFigureOut">
               <a:rPr lang="en-US" smtClean="0"/>
-              <a:t>2/3/2015</a:t>
+              <a:t>2/4/2015</a:t>
             </a:fld>
             <a:endParaRPr lang="en-US"/>
           </a:p>
@@ -2107,7 +2108,7 @@
           <a:p>
             <a:fld id="{82B1C88E-CFFD-47E5-AEA1-568AFED29D99}" type="datetimeFigureOut">
               <a:rPr lang="en-US" smtClean="0"/>
-              <a:t>2/3/2015</a:t>
+              <a:t>2/4/2015</a:t>
             </a:fld>
             <a:endParaRPr lang="en-US"/>
           </a:p>
@@ -2360,7 +2361,7 @@
           <a:p>
             <a:fld id="{82B1C88E-CFFD-47E5-AEA1-568AFED29D99}" type="datetimeFigureOut">
               <a:rPr lang="en-US" smtClean="0"/>
-              <a:t>2/3/2015</a:t>
+              <a:t>2/4/2015</a:t>
             </a:fld>
             <a:endParaRPr lang="en-US"/>
           </a:p>
@@ -2573,7 +2574,7 @@
           <a:p>
             <a:fld id="{82B1C88E-CFFD-47E5-AEA1-568AFED29D99}" type="datetimeFigureOut">
               <a:rPr lang="en-US" smtClean="0"/>
-              <a:t>2/3/2015</a:t>
+              <a:t>2/4/2015</a:t>
             </a:fld>
             <a:endParaRPr lang="en-US"/>
           </a:p>
@@ -3090,6 +3091,138 @@
           <a:p>
             <a:r>
               <a:rPr lang="en-US" dirty="0" smtClean="0"/>
+              <a:t>Lessons Learned</a:t>
+            </a:r>
+            <a:endParaRPr lang="en-US" dirty="0"/>
+          </a:p>
+        </p:txBody>
+      </p:sp>
+      <p:sp>
+        <p:nvSpPr>
+          <p:cNvPr id="3" name="Content Placeholder 2"/>
+          <p:cNvSpPr>
+            <a:spLocks noGrp="1"/>
+          </p:cNvSpPr>
+          <p:nvPr>
+            <p:ph idx="1"/>
+          </p:nvPr>
+        </p:nvSpPr>
+        <p:spPr/>
+        <p:txBody>
+          <a:bodyPr>
+            <a:normAutofit/>
+          </a:bodyPr>
+          <a:lstStyle/>
+          <a:p>
+            <a:r>
+              <a:rPr lang="en-US" dirty="0" smtClean="0"/>
+              <a:t>Never use a static Initialization Vector</a:t>
+            </a:r>
+          </a:p>
+          <a:p>
+            <a:r>
+              <a:rPr lang="en-US" dirty="0"/>
+              <a:t>Don’t expose </a:t>
+            </a:r>
+            <a:r>
+              <a:rPr lang="en-US" dirty="0" smtClean="0"/>
+              <a:t>error status codes over the public API</a:t>
+            </a:r>
+            <a:endParaRPr lang="en-US" dirty="0"/>
+          </a:p>
+          <a:p>
+            <a:r>
+              <a:rPr lang="en-US" dirty="0" smtClean="0"/>
+              <a:t>Never use encryption without authentication e.g. HMAC</a:t>
+            </a:r>
+          </a:p>
+          <a:p>
+            <a:pPr lvl="1"/>
+            <a:r>
+              <a:rPr lang="en-US" dirty="0" smtClean="0"/>
+              <a:t>Do not use same key for authentication and encryption</a:t>
+            </a:r>
+          </a:p>
+          <a:p>
+            <a:r>
+              <a:rPr lang="en-US" dirty="0" smtClean="0"/>
+              <a:t>Use cryptography with extreme caution</a:t>
+            </a:r>
+            <a:r>
+              <a:rPr lang="en-US" dirty="0"/>
+              <a:t> </a:t>
+            </a:r>
+            <a:r>
+              <a:rPr lang="en-US" dirty="0" smtClean="0"/>
+              <a:t>and extra code reviews</a:t>
+            </a:r>
+          </a:p>
+          <a:p>
+            <a:pPr lvl="1"/>
+            <a:r>
+              <a:rPr lang="en-US" dirty="0" smtClean="0">
+                <a:hlinkClick r:id="rId2"/>
+              </a:rPr>
+              <a:t>http://www.happybearsoftware.com/you-are-dangerously-bad-at-cryptography.html</a:t>
+            </a:r>
+            <a:endParaRPr lang="en-US" dirty="0" smtClean="0"/>
+          </a:p>
+        </p:txBody>
+      </p:sp>
+    </p:spTree>
+    <p:extLst>
+      <p:ext uri="{BB962C8B-B14F-4D97-AF65-F5344CB8AC3E}">
+        <p14:creationId xmlns:p14="http://schemas.microsoft.com/office/powerpoint/2010/main" val="118598558"/>
+      </p:ext>
+    </p:extLst>
+  </p:cSld>
+  <p:clrMapOvr>
+    <a:masterClrMapping/>
+  </p:clrMapOvr>
+  <p:timing>
+    <p:tnLst>
+      <p:par>
+        <p:cTn id="1" dur="indefinite" restart="never" nodeType="tmRoot"/>
+      </p:par>
+    </p:tnLst>
+  </p:timing>
+</p:sld>
+</file>
+
+<file path=ppt/slides/slide11.xml><?xml version="1.0" encoding="utf-8"?>
+<p:sld xmlns:a="http://schemas.openxmlformats.org/drawingml/2006/main" xmlns:r="http://schemas.openxmlformats.org/officeDocument/2006/relationships" xmlns:p="http://schemas.openxmlformats.org/presentationml/2006/main">
+  <p:cSld>
+    <p:spTree>
+      <p:nvGrpSpPr>
+        <p:cNvPr id="1" name=""/>
+        <p:cNvGrpSpPr/>
+        <p:nvPr/>
+      </p:nvGrpSpPr>
+      <p:grpSpPr>
+        <a:xfrm>
+          <a:off x="0" y="0"/>
+          <a:ext cx="0" cy="0"/>
+          <a:chOff x="0" y="0"/>
+          <a:chExt cx="0" cy="0"/>
+        </a:xfrm>
+      </p:grpSpPr>
+      <p:sp>
+        <p:nvSpPr>
+          <p:cNvPr id="2" name="Title 1"/>
+          <p:cNvSpPr>
+            <a:spLocks noGrp="1"/>
+          </p:cNvSpPr>
+          <p:nvPr>
+            <p:ph type="title"/>
+          </p:nvPr>
+        </p:nvSpPr>
+        <p:spPr/>
+        <p:txBody>
+          <a:bodyPr/>
+          <a:lstStyle/>
+          <a:p>
+            <a:r>
+              <a:rPr lang="en-US" dirty="0" smtClean="0"/>
               <a:t>Further reference</a:t>
             </a:r>
             <a:endParaRPr lang="en-US" dirty="0"/>
@@ -3988,7 +4121,11 @@
             </a:pPr>
             <a:r>
               <a:rPr lang="en-US" dirty="0" smtClean="0"/>
-              <a:t>Before decrypting, verify the hash (using constant-time comparison)</a:t>
+              <a:t>Before decrypting, verify the </a:t>
+            </a:r>
+            <a:r>
+              <a:rPr lang="en-US" dirty="0" smtClean="0"/>
+              <a:t>hash</a:t>
             </a:r>
           </a:p>
           <a:p>
@@ -3998,7 +4135,11 @@
             </a:pPr>
             <a:r>
               <a:rPr lang="en-US" dirty="0" smtClean="0"/>
-              <a:t>Only once we’re confident of the token’s integrity should we begin to decrypt it</a:t>
+              <a:t>Only </a:t>
+            </a:r>
+            <a:r>
+              <a:rPr lang="en-US" dirty="0" smtClean="0"/>
+              <a:t>once we’re confident of the token’s integrity should we begin to decrypt it</a:t>
             </a:r>
           </a:p>
           <a:p>
@@ -4082,7 +4223,7 @@
           <a:p>
             <a:r>
               <a:rPr lang="en-US" dirty="0" smtClean="0"/>
-              <a:t>Lessons Learned</a:t>
+              <a:t>Bonus Pitfall</a:t>
             </a:r>
             <a:endParaRPr lang="en-US" dirty="0"/>
           </a:p>
@@ -4100,70 +4241,28 @@
         </p:nvSpPr>
         <p:spPr/>
         <p:txBody>
-          <a:bodyPr>
-            <a:normAutofit/>
-          </a:bodyPr>
-          <a:lstStyle/>
-          <a:p>
+          <a:bodyPr/>
+          <a:lstStyle/>
+          <a:p>
+            <a:pPr marL="0" indent="0">
+              <a:buNone/>
+            </a:pPr>
+            <a:r>
+              <a:rPr lang="en-US" dirty="0"/>
+              <a:t>non-constant time </a:t>
+            </a:r>
             <a:r>
               <a:rPr lang="en-US" dirty="0" smtClean="0"/>
-              <a:t>Never use a static Initialization Vector</a:t>
-            </a:r>
-          </a:p>
-          <a:p>
-            <a:r>
-              <a:rPr lang="en-US" dirty="0"/>
-              <a:t>Don’t expose </a:t>
-            </a:r>
-            <a:r>
-              <a:rPr lang="en-US" dirty="0" smtClean="0"/>
-              <a:t>error status codes over the public API</a:t>
+              <a:t>comparison of the MAC</a:t>
             </a:r>
             <a:endParaRPr lang="en-US" dirty="0"/>
-          </a:p>
-          <a:p>
-            <a:r>
-              <a:rPr lang="en-US" dirty="0" smtClean="0"/>
-              <a:t>Never use encryption without authentication e.g. HMAC</a:t>
-            </a:r>
-          </a:p>
-          <a:p>
-            <a:pPr lvl="1"/>
-            <a:r>
-              <a:rPr lang="en-US" dirty="0" smtClean="0"/>
-              <a:t>Do not use same key for authentication and encryption</a:t>
-            </a:r>
-          </a:p>
-          <a:p>
-            <a:r>
-              <a:rPr lang="en-US" dirty="0" smtClean="0"/>
-              <a:t>Use cryptography with extreme caution</a:t>
-            </a:r>
-            <a:r>
-              <a:rPr lang="en-US" dirty="0"/>
-              <a:t> </a:t>
-            </a:r>
-            <a:r>
-              <a:rPr lang="en-US" dirty="0" smtClean="0"/>
-              <a:t>and extra code reviews</a:t>
-            </a:r>
-          </a:p>
-          <a:p>
-            <a:pPr lvl="1"/>
-            <a:r>
-              <a:rPr lang="en-US" dirty="0" smtClean="0">
-                <a:hlinkClick r:id="rId2"/>
-              </a:rPr>
-              <a:t>http://www.happybearsoftware.com/you-are-dangerously-bad-at-cryptography.html</a:t>
-            </a:r>
-            <a:endParaRPr lang="en-US" dirty="0" smtClean="0"/>
           </a:p>
         </p:txBody>
       </p:sp>
     </p:spTree>
     <p:extLst>
       <p:ext uri="{BB962C8B-B14F-4D97-AF65-F5344CB8AC3E}">
-        <p14:creationId xmlns:p14="http://schemas.microsoft.com/office/powerpoint/2010/main" val="118598558"/>
+        <p14:creationId xmlns:p14="http://schemas.microsoft.com/office/powerpoint/2010/main" val="1025169133"/>
       </p:ext>
     </p:extLst>
   </p:cSld>

--- a/Presentation/Crypto-Pitfalls.pptx
+++ b/Presentation/Crypto-Pitfalls.pptx
@@ -6,19 +6,20 @@
   </p:sldMasterIdLst>
   <p:sldIdLst>
     <p:sldId id="256" r:id="rId2"/>
-    <p:sldId id="263" r:id="rId3"/>
-    <p:sldId id="257" r:id="rId4"/>
-    <p:sldId id="258" r:id="rId5"/>
-    <p:sldId id="261" r:id="rId6"/>
-    <p:sldId id="264" r:id="rId7"/>
-    <p:sldId id="266" r:id="rId8"/>
-    <p:sldId id="265" r:id="rId9"/>
-    <p:sldId id="267" r:id="rId10"/>
+    <p:sldId id="257" r:id="rId3"/>
+    <p:sldId id="258" r:id="rId4"/>
+    <p:sldId id="261" r:id="rId5"/>
+    <p:sldId id="264" r:id="rId6"/>
+    <p:sldId id="266" r:id="rId7"/>
+    <p:sldId id="267" r:id="rId8"/>
+    <p:sldId id="269" r:id="rId9"/>
+    <p:sldId id="265" r:id="rId10"/>
     <p:sldId id="260" r:id="rId11"/>
     <p:sldId id="262" r:id="rId12"/>
+    <p:sldId id="268" r:id="rId13"/>
   </p:sldIdLst>
   <p:sldSz cx="12192000" cy="6858000"/>
-  <p:notesSz cx="6858000" cy="9144000"/>
+  <p:notesSz cx="7010400" cy="9296400"/>
   <p:defaultTextStyle>
     <a:defPPr>
       <a:defRPr lang="en-US"/>
@@ -253,7 +254,7 @@
           <a:p>
             <a:fld id="{82B1C88E-CFFD-47E5-AEA1-568AFED29D99}" type="datetimeFigureOut">
               <a:rPr lang="en-US" smtClean="0"/>
-              <a:t>2/4/2015</a:t>
+              <a:t>10/17/2015</a:t>
             </a:fld>
             <a:endParaRPr lang="en-US"/>
           </a:p>
@@ -423,7 +424,7 @@
           <a:p>
             <a:fld id="{82B1C88E-CFFD-47E5-AEA1-568AFED29D99}" type="datetimeFigureOut">
               <a:rPr lang="en-US" smtClean="0"/>
-              <a:t>2/4/2015</a:t>
+              <a:t>10/17/2015</a:t>
             </a:fld>
             <a:endParaRPr lang="en-US"/>
           </a:p>
@@ -603,7 +604,7 @@
           <a:p>
             <a:fld id="{82B1C88E-CFFD-47E5-AEA1-568AFED29D99}" type="datetimeFigureOut">
               <a:rPr lang="en-US" smtClean="0"/>
-              <a:t>2/4/2015</a:t>
+              <a:t>10/17/2015</a:t>
             </a:fld>
             <a:endParaRPr lang="en-US"/>
           </a:p>
@@ -773,7 +774,7 @@
           <a:p>
             <a:fld id="{82B1C88E-CFFD-47E5-AEA1-568AFED29D99}" type="datetimeFigureOut">
               <a:rPr lang="en-US" smtClean="0"/>
-              <a:t>2/4/2015</a:t>
+              <a:t>10/17/2015</a:t>
             </a:fld>
             <a:endParaRPr lang="en-US"/>
           </a:p>
@@ -1019,7 +1020,7 @@
           <a:p>
             <a:fld id="{82B1C88E-CFFD-47E5-AEA1-568AFED29D99}" type="datetimeFigureOut">
               <a:rPr lang="en-US" smtClean="0"/>
-              <a:t>2/4/2015</a:t>
+              <a:t>10/17/2015</a:t>
             </a:fld>
             <a:endParaRPr lang="en-US"/>
           </a:p>
@@ -1251,7 +1252,7 @@
           <a:p>
             <a:fld id="{82B1C88E-CFFD-47E5-AEA1-568AFED29D99}" type="datetimeFigureOut">
               <a:rPr lang="en-US" smtClean="0"/>
-              <a:t>2/4/2015</a:t>
+              <a:t>10/17/2015</a:t>
             </a:fld>
             <a:endParaRPr lang="en-US"/>
           </a:p>
@@ -1618,7 +1619,7 @@
           <a:p>
             <a:fld id="{82B1C88E-CFFD-47E5-AEA1-568AFED29D99}" type="datetimeFigureOut">
               <a:rPr lang="en-US" smtClean="0"/>
-              <a:t>2/4/2015</a:t>
+              <a:t>10/17/2015</a:t>
             </a:fld>
             <a:endParaRPr lang="en-US"/>
           </a:p>
@@ -1736,7 +1737,7 @@
           <a:p>
             <a:fld id="{82B1C88E-CFFD-47E5-AEA1-568AFED29D99}" type="datetimeFigureOut">
               <a:rPr lang="en-US" smtClean="0"/>
-              <a:t>2/4/2015</a:t>
+              <a:t>10/17/2015</a:t>
             </a:fld>
             <a:endParaRPr lang="en-US"/>
           </a:p>
@@ -1831,7 +1832,7 @@
           <a:p>
             <a:fld id="{82B1C88E-CFFD-47E5-AEA1-568AFED29D99}" type="datetimeFigureOut">
               <a:rPr lang="en-US" smtClean="0"/>
-              <a:t>2/4/2015</a:t>
+              <a:t>10/17/2015</a:t>
             </a:fld>
             <a:endParaRPr lang="en-US"/>
           </a:p>
@@ -2108,7 +2109,7 @@
           <a:p>
             <a:fld id="{82B1C88E-CFFD-47E5-AEA1-568AFED29D99}" type="datetimeFigureOut">
               <a:rPr lang="en-US" smtClean="0"/>
-              <a:t>2/4/2015</a:t>
+              <a:t>10/17/2015</a:t>
             </a:fld>
             <a:endParaRPr lang="en-US"/>
           </a:p>
@@ -2361,7 +2362,7 @@
           <a:p>
             <a:fld id="{82B1C88E-CFFD-47E5-AEA1-568AFED29D99}" type="datetimeFigureOut">
               <a:rPr lang="en-US" smtClean="0"/>
-              <a:t>2/4/2015</a:t>
+              <a:t>10/17/2015</a:t>
             </a:fld>
             <a:endParaRPr lang="en-US"/>
           </a:p>
@@ -2574,7 +2575,7 @@
           <a:p>
             <a:fld id="{82B1C88E-CFFD-47E5-AEA1-568AFED29D99}" type="datetimeFigureOut">
               <a:rPr lang="en-US" smtClean="0"/>
-              <a:t>2/4/2015</a:t>
+              <a:t>10/17/2015</a:t>
             </a:fld>
             <a:endParaRPr lang="en-US"/>
           </a:p>
@@ -3014,7 +3015,9 @@
         </p:nvSpPr>
         <p:spPr/>
         <p:txBody>
-          <a:bodyPr/>
+          <a:bodyPr>
+            <a:normAutofit/>
+          </a:bodyPr>
           <a:lstStyle/>
           <a:p>
             <a:r>
@@ -3026,12 +3029,13 @@
             <a:endParaRPr lang="en-US" sz="1600" dirty="0" smtClean="0"/>
           </a:p>
           <a:p>
-            <a:endParaRPr lang="en-US" sz="1600" dirty="0"/>
-          </a:p>
-          <a:p>
+            <a:r>
+              <a:rPr lang="en-US" sz="1600" smtClean="0"/>
+              <a:t>Central </a:t>
+            </a:r>
             <a:r>
               <a:rPr lang="en-US" sz="1600" dirty="0" smtClean="0"/>
-              <a:t>04-Feb-2015</a:t>
+              <a:t>PA Open Source Conference, 17-Oct-2015</a:t>
             </a:r>
             <a:endParaRPr lang="en-US" sz="1600" dirty="0"/>
           </a:p>
@@ -3167,6 +3171,24 @@
             </a:r>
             <a:endParaRPr lang="en-US" dirty="0" smtClean="0"/>
           </a:p>
+          <a:p>
+            <a:r>
+              <a:rPr lang="en-US" dirty="0" smtClean="0"/>
+              <a:t>Use higher level-constructs whenever you can</a:t>
+            </a:r>
+          </a:p>
+          <a:p>
+            <a:pPr lvl="1"/>
+            <a:r>
+              <a:rPr lang="en-US" dirty="0" smtClean="0"/>
+              <a:t>JWT/JWE, OAuth2, SAML, </a:t>
+            </a:r>
+            <a:r>
+              <a:rPr lang="en-US" dirty="0" err="1" smtClean="0"/>
+              <a:t>etc</a:t>
+            </a:r>
+            <a:endParaRPr lang="en-US" dirty="0" smtClean="0"/>
+          </a:p>
         </p:txBody>
       </p:sp>
     </p:spTree>
@@ -3248,30 +3270,55 @@
           <a:p>
             <a:r>
               <a:rPr lang="en-US" dirty="0" smtClean="0"/>
-              <a:t>Code &amp; slides from this presentation available at </a:t>
+              <a:t>There are more elegant versions of padding oracle and CBC-R code in other languages, e.g.</a:t>
+            </a:r>
+          </a:p>
+          <a:p>
+            <a:pPr lvl="1"/>
+            <a:r>
+              <a:rPr lang="en-US" dirty="0" smtClean="0">
+                <a:hlinkClick r:id="rId2"/>
+              </a:rPr>
+              <a:t>http</a:t>
             </a:r>
             <a:r>
               <a:rPr lang="en-US" dirty="0">
                 <a:hlinkClick r:id="rId2"/>
               </a:rPr>
-              <a:t>https://</a:t>
+              <a:t>://www.limited-entropy.com/po_cbc-r_and_timing</a:t>
             </a:r>
             <a:r>
               <a:rPr lang="en-US" dirty="0" smtClean="0">
                 <a:hlinkClick r:id="rId2"/>
               </a:rPr>
-              <a:t>github.com/explunit/crypto-pitfalls</a:t>
+              <a:t>/</a:t>
             </a:r>
             <a:endParaRPr lang="en-US" dirty="0" smtClean="0"/>
           </a:p>
           <a:p>
             <a:r>
               <a:rPr lang="en-US" dirty="0" smtClean="0"/>
-              <a:t>There are more elegant versions of padding oracle and CBC-R code in other languages, e.g.</a:t>
+              <a:t>Other explanations of this material:</a:t>
             </a:r>
           </a:p>
           <a:p>
             <a:pPr lvl="1"/>
+            <a:r>
+              <a:rPr lang="en-US" dirty="0" smtClean="0"/>
+              <a:t>CBC-R Paper - </a:t>
+            </a:r>
+            <a:r>
+              <a:rPr lang="en-US" dirty="0" err="1"/>
+              <a:t>Juliano</a:t>
+            </a:r>
+            <a:r>
+              <a:rPr lang="en-US" dirty="0"/>
+              <a:t> </a:t>
+            </a:r>
+            <a:r>
+              <a:rPr lang="en-US" dirty="0" smtClean="0"/>
+              <a:t>Rizzo &amp; Thai Duong </a:t>
+            </a:r>
             <a:r>
               <a:rPr lang="en-US" dirty="0" smtClean="0">
                 <a:hlinkClick r:id="rId3"/>
@@ -3282,39 +3329,25 @@
               <a:rPr lang="en-US" dirty="0">
                 <a:hlinkClick r:id="rId3"/>
               </a:rPr>
-              <a:t>://www.limited-entropy.com/po_cbc-r_and_timing</a:t>
+              <a:t>://</a:t>
             </a:r>
             <a:r>
               <a:rPr lang="en-US" dirty="0" smtClean="0">
                 <a:hlinkClick r:id="rId3"/>
               </a:rPr>
-              <a:t>/</a:t>
+              <a:t>static.usenix.org/events/woot10/tech/full_papers/Rizzo.pdf</a:t>
             </a:r>
             <a:endParaRPr lang="en-US" dirty="0" smtClean="0"/>
           </a:p>
           <a:p>
+            <a:pPr lvl="1"/>
+            <a:r>
+              <a:rPr lang="en-US" dirty="0"/>
+              <a:t>The Padding Oracle Attack – </a:t>
+            </a:r>
             <a:r>
               <a:rPr lang="en-US" dirty="0" smtClean="0"/>
-              <a:t>Other explanations of this material:</a:t>
-            </a:r>
-          </a:p>
-          <a:p>
-            <a:pPr lvl="1"/>
-            <a:r>
-              <a:rPr lang="en-US" dirty="0" smtClean="0"/>
-              <a:t>CBC-R Paper - </a:t>
-            </a:r>
-            <a:r>
-              <a:rPr lang="en-US" dirty="0" err="1"/>
-              <a:t>Juliano</a:t>
-            </a:r>
-            <a:r>
-              <a:rPr lang="en-US" dirty="0"/>
-              <a:t> </a:t>
-            </a:r>
-            <a:r>
-              <a:rPr lang="en-US" dirty="0" smtClean="0"/>
-              <a:t>Rizzo &amp; Thai Duong </a:t>
+              <a:t>Why Crypto Is Terrifying </a:t>
             </a:r>
             <a:r>
               <a:rPr lang="en-US" dirty="0" smtClean="0">
@@ -3326,36 +3359,6 @@
               <a:rPr lang="en-US" dirty="0">
                 <a:hlinkClick r:id="rId4"/>
               </a:rPr>
-              <a:t>://</a:t>
-            </a:r>
-            <a:r>
-              <a:rPr lang="en-US" dirty="0" smtClean="0">
-                <a:hlinkClick r:id="rId4"/>
-              </a:rPr>
-              <a:t>static.usenix.org/events/woot10/tech/full_papers/Rizzo.pdf</a:t>
-            </a:r>
-            <a:endParaRPr lang="en-US" dirty="0" smtClean="0"/>
-          </a:p>
-          <a:p>
-            <a:pPr lvl="1"/>
-            <a:r>
-              <a:rPr lang="en-US" dirty="0"/>
-              <a:t>The Padding Oracle Attack – </a:t>
-            </a:r>
-            <a:r>
-              <a:rPr lang="en-US" dirty="0" smtClean="0"/>
-              <a:t>Why Crypto Is Terrifying </a:t>
-            </a:r>
-            <a:r>
-              <a:rPr lang="en-US" dirty="0" smtClean="0">
-                <a:hlinkClick r:id="rId5"/>
-              </a:rPr>
-              <a:t>http</a:t>
-            </a:r>
-            <a:r>
-              <a:rPr lang="en-US" dirty="0">
-                <a:hlinkClick r:id="rId5"/>
-              </a:rPr>
               <a:t>://robertheaton.com/2013/07/29/padding-oracle-attack/</a:t>
             </a:r>
             <a:endParaRPr lang="en-US" dirty="0"/>
@@ -3377,6 +3380,206 @@
     <p:extLst>
       <p:ext uri="{BB962C8B-B14F-4D97-AF65-F5344CB8AC3E}">
         <p14:creationId xmlns:p14="http://schemas.microsoft.com/office/powerpoint/2010/main" val="1519556903"/>
+      </p:ext>
+    </p:extLst>
+  </p:cSld>
+  <p:clrMapOvr>
+    <a:masterClrMapping/>
+  </p:clrMapOvr>
+  <p:timing>
+    <p:tnLst>
+      <p:par>
+        <p:cTn id="1" dur="indefinite" restart="never" nodeType="tmRoot"/>
+      </p:par>
+    </p:tnLst>
+  </p:timing>
+</p:sld>
+</file>
+
+<file path=ppt/slides/slide12.xml><?xml version="1.0" encoding="utf-8"?>
+<p:sld xmlns:a="http://schemas.openxmlformats.org/drawingml/2006/main" xmlns:r="http://schemas.openxmlformats.org/officeDocument/2006/relationships" xmlns:p="http://schemas.openxmlformats.org/presentationml/2006/main">
+  <p:cSld>
+    <p:spTree>
+      <p:nvGrpSpPr>
+        <p:cNvPr id="1" name=""/>
+        <p:cNvGrpSpPr/>
+        <p:nvPr/>
+      </p:nvGrpSpPr>
+      <p:grpSpPr>
+        <a:xfrm>
+          <a:off x="0" y="0"/>
+          <a:ext cx="0" cy="0"/>
+          <a:chOff x="0" y="0"/>
+          <a:chExt cx="0" cy="0"/>
+        </a:xfrm>
+      </p:grpSpPr>
+      <p:sp>
+        <p:nvSpPr>
+          <p:cNvPr id="2" name="Title 1"/>
+          <p:cNvSpPr>
+            <a:spLocks noGrp="1"/>
+          </p:cNvSpPr>
+          <p:nvPr>
+            <p:ph type="title"/>
+          </p:nvPr>
+        </p:nvSpPr>
+        <p:spPr/>
+        <p:txBody>
+          <a:bodyPr/>
+          <a:lstStyle/>
+          <a:p>
+            <a:r>
+              <a:rPr lang="en-US" smtClean="0"/>
+              <a:t>The End</a:t>
+            </a:r>
+            <a:endParaRPr lang="en-US" dirty="0"/>
+          </a:p>
+        </p:txBody>
+      </p:sp>
+      <p:sp>
+        <p:nvSpPr>
+          <p:cNvPr id="3" name="Content Placeholder 2"/>
+          <p:cNvSpPr>
+            <a:spLocks noGrp="1"/>
+          </p:cNvSpPr>
+          <p:nvPr>
+            <p:ph idx="1"/>
+          </p:nvPr>
+        </p:nvSpPr>
+        <p:spPr/>
+        <p:txBody>
+          <a:bodyPr>
+            <a:normAutofit/>
+          </a:bodyPr>
+          <a:lstStyle/>
+          <a:p>
+            <a:pPr marL="0" indent="0">
+              <a:buNone/>
+            </a:pPr>
+            <a:r>
+              <a:rPr lang="en-US" dirty="0" smtClean="0"/>
+              <a:t>Feedback welcome:</a:t>
+            </a:r>
+            <a:endParaRPr lang="en-US" dirty="0" smtClean="0">
+              <a:hlinkClick r:id="rId2"/>
+            </a:endParaRPr>
+          </a:p>
+          <a:p>
+            <a:pPr marL="0" indent="0">
+              <a:buNone/>
+            </a:pPr>
+            <a:r>
+              <a:rPr lang="en-US" dirty="0" smtClean="0">
+                <a:hlinkClick r:id="rId2"/>
+              </a:rPr>
+              <a:t>stevepatches@gmail.com</a:t>
+            </a:r>
+            <a:endParaRPr lang="en-US" dirty="0" smtClean="0"/>
+          </a:p>
+          <a:p>
+            <a:pPr marL="0" indent="0">
+              <a:buNone/>
+            </a:pPr>
+            <a:endParaRPr lang="en-US" dirty="0"/>
+          </a:p>
+          <a:p>
+            <a:pPr marL="0" indent="0">
+              <a:buNone/>
+            </a:pPr>
+            <a:r>
+              <a:rPr lang="en-US" dirty="0"/>
+              <a:t>Code &amp; slides from this </a:t>
+            </a:r>
+            <a:r>
+              <a:rPr lang="en-US" dirty="0" smtClean="0"/>
+              <a:t>presentation:</a:t>
+            </a:r>
+          </a:p>
+          <a:p>
+            <a:pPr marL="0" indent="0">
+              <a:buNone/>
+            </a:pPr>
+            <a:r>
+              <a:rPr lang="en-US" dirty="0" smtClean="0">
+                <a:hlinkClick r:id="rId3"/>
+              </a:rPr>
+              <a:t>https</a:t>
+            </a:r>
+            <a:r>
+              <a:rPr lang="en-US" dirty="0">
+                <a:hlinkClick r:id="rId3"/>
+              </a:rPr>
+              <a:t>://github.com/explunit/crypto-pitfalls</a:t>
+            </a:r>
+            <a:endParaRPr lang="en-US" dirty="0"/>
+          </a:p>
+          <a:p>
+            <a:pPr marL="0" indent="0">
+              <a:buNone/>
+            </a:pPr>
+            <a:endParaRPr lang="en-US" dirty="0" smtClean="0"/>
+          </a:p>
+          <a:p>
+            <a:pPr marL="0" indent="0">
+              <a:buNone/>
+            </a:pPr>
+            <a:r>
+              <a:rPr lang="en-US" dirty="0" err="1" smtClean="0"/>
+              <a:t>CareEvolution</a:t>
+            </a:r>
+            <a:r>
+              <a:rPr lang="en-US" dirty="0" smtClean="0"/>
+              <a:t> is hiring:</a:t>
+            </a:r>
+          </a:p>
+          <a:p>
+            <a:pPr marL="0" indent="0">
+              <a:buNone/>
+            </a:pPr>
+            <a:r>
+              <a:rPr lang="en-US" dirty="0">
+                <a:hlinkClick r:id="rId4"/>
+              </a:rPr>
+              <a:t>http://</a:t>
+            </a:r>
+            <a:r>
+              <a:rPr lang="en-US" dirty="0" smtClean="0">
+                <a:hlinkClick r:id="rId4"/>
+              </a:rPr>
+              <a:t>letsfixhealthcare.com</a:t>
+            </a:r>
+            <a:endParaRPr lang="en-US" dirty="0"/>
+          </a:p>
+          <a:p>
+            <a:pPr marL="0" indent="0">
+              <a:buNone/>
+            </a:pPr>
+            <a:endParaRPr lang="en-US" dirty="0" smtClean="0"/>
+          </a:p>
+          <a:p>
+            <a:pPr marL="0" indent="0">
+              <a:buNone/>
+            </a:pPr>
+            <a:endParaRPr lang="en-US" dirty="0" smtClean="0"/>
+          </a:p>
+          <a:p>
+            <a:pPr marL="0" indent="0">
+              <a:buNone/>
+            </a:pPr>
+            <a:endParaRPr lang="en-US" dirty="0"/>
+          </a:p>
+          <a:p>
+            <a:pPr marL="0" indent="0">
+              <a:buNone/>
+            </a:pPr>
+            <a:endParaRPr lang="en-US" dirty="0"/>
+          </a:p>
+        </p:txBody>
+      </p:sp>
+    </p:spTree>
+    <p:extLst>
+      <p:ext uri="{BB962C8B-B14F-4D97-AF65-F5344CB8AC3E}">
+        <p14:creationId xmlns:p14="http://schemas.microsoft.com/office/powerpoint/2010/main" val="2476118049"/>
       </p:ext>
     </p:extLst>
   </p:cSld>
@@ -3427,7 +3630,7 @@
           <a:p>
             <a:r>
               <a:rPr lang="en-US" dirty="0" smtClean="0"/>
-              <a:t>Disclaimer</a:t>
+              <a:t>Contrived Business Case</a:t>
             </a:r>
             <a:endParaRPr lang="en-US" dirty="0"/>
           </a:p>
@@ -3448,21 +3651,44 @@
           <a:bodyPr/>
           <a:lstStyle/>
           <a:p>
-            <a:pPr marL="0" indent="0">
-              <a:buNone/>
-            </a:pPr>
             <a:r>
               <a:rPr lang="en-US" dirty="0" smtClean="0"/>
-              <a:t>I am not a crypto expert. I welcome corrections/feedback on this presentation and any code I commit.</a:t>
-            </a:r>
-            <a:endParaRPr lang="en-US" dirty="0"/>
+              <a:t>Business partners exchange some transaction securely</a:t>
+            </a:r>
+          </a:p>
+          <a:p>
+            <a:pPr lvl="1"/>
+            <a:r>
+              <a:rPr lang="en-US" dirty="0" smtClean="0"/>
+              <a:t>Secrecy in transit</a:t>
+            </a:r>
+          </a:p>
+          <a:p>
+            <a:pPr lvl="1"/>
+            <a:r>
+              <a:rPr lang="en-US" dirty="0" smtClean="0"/>
+              <a:t>Verified origin</a:t>
+            </a:r>
+          </a:p>
+          <a:p>
+            <a:pPr lvl="1"/>
+            <a:r>
+              <a:rPr lang="en-US" dirty="0" smtClean="0"/>
+              <a:t>Not changed in transit</a:t>
+            </a:r>
+          </a:p>
+          <a:p>
+            <a:r>
+              <a:rPr lang="en-US" dirty="0" smtClean="0"/>
+              <a:t>Not using ___________</a:t>
+            </a:r>
           </a:p>
         </p:txBody>
       </p:sp>
     </p:spTree>
     <p:extLst>
       <p:ext uri="{BB962C8B-B14F-4D97-AF65-F5344CB8AC3E}">
-        <p14:creationId xmlns:p14="http://schemas.microsoft.com/office/powerpoint/2010/main" val="976038984"/>
+        <p14:creationId xmlns:p14="http://schemas.microsoft.com/office/powerpoint/2010/main" val="3097953519"/>
       </p:ext>
     </p:extLst>
   </p:cSld>
@@ -3513,7 +3739,7 @@
           <a:p>
             <a:r>
               <a:rPr lang="en-US" dirty="0" smtClean="0"/>
-              <a:t>Contrived Business Case</a:t>
+              <a:t>A Common Solution</a:t>
             </a:r>
             <a:endParaRPr lang="en-US" dirty="0"/>
           </a:p>
@@ -3536,46 +3762,36 @@
           <a:p>
             <a:r>
               <a:rPr lang="en-US" dirty="0" smtClean="0"/>
-              <a:t>Business partners (or maybe two divisions) want to exchange some transaction securely</a:t>
+              <a:t>Use AES encryption for both secrecy and integrity</a:t>
             </a:r>
           </a:p>
           <a:p>
             <a:pPr lvl="1"/>
             <a:r>
               <a:rPr lang="en-US" dirty="0" smtClean="0"/>
-              <a:t>Ensure nothing can read the contents in transit (e.g. in intermediate queue)</a:t>
+              <a:t>AES is current standard</a:t>
             </a:r>
           </a:p>
           <a:p>
             <a:pPr lvl="1"/>
             <a:r>
               <a:rPr lang="en-US" dirty="0" smtClean="0"/>
-              <a:t>Verify that the received token originated from the trusted partner</a:t>
-            </a:r>
-          </a:p>
-          <a:p>
-            <a:pPr lvl="1"/>
+              <a:t>Won’t decrypt successfully without same encryption key both ends</a:t>
+            </a:r>
+          </a:p>
+          <a:p>
             <a:r>
               <a:rPr lang="en-US" dirty="0" smtClean="0"/>
-              <a:t>Know that it wasn’t changed in transit</a:t>
-            </a:r>
-          </a:p>
-          <a:p>
-            <a:r>
-              <a:rPr lang="en-US" dirty="0" smtClean="0"/>
-              <a:t>They decide not to use certificates or other PKI-based approach</a:t>
-            </a:r>
-            <a:br>
-              <a:rPr lang="en-US" dirty="0" smtClean="0"/>
-            </a:br>
-            <a:endParaRPr lang="en-US" dirty="0" smtClean="0"/>
+              <a:t>Copy some example AES code from MSDN or Stack Overflow</a:t>
+            </a:r>
+            <a:endParaRPr lang="en-US" dirty="0"/>
           </a:p>
         </p:txBody>
       </p:sp>
     </p:spTree>
     <p:extLst>
       <p:ext uri="{BB962C8B-B14F-4D97-AF65-F5344CB8AC3E}">
-        <p14:creationId xmlns:p14="http://schemas.microsoft.com/office/powerpoint/2010/main" val="3097953519"/>
+        <p14:creationId xmlns:p14="http://schemas.microsoft.com/office/powerpoint/2010/main" val="1977434949"/>
       </p:ext>
     </p:extLst>
   </p:cSld>
@@ -3626,95 +3842,6 @@
           <a:p>
             <a:r>
               <a:rPr lang="en-US" dirty="0" smtClean="0"/>
-              <a:t>A Common Solution</a:t>
-            </a:r>
-            <a:endParaRPr lang="en-US" dirty="0"/>
-          </a:p>
-        </p:txBody>
-      </p:sp>
-      <p:sp>
-        <p:nvSpPr>
-          <p:cNvPr id="3" name="Content Placeholder 2"/>
-          <p:cNvSpPr>
-            <a:spLocks noGrp="1"/>
-          </p:cNvSpPr>
-          <p:nvPr>
-            <p:ph idx="1"/>
-          </p:nvPr>
-        </p:nvSpPr>
-        <p:spPr/>
-        <p:txBody>
-          <a:bodyPr/>
-          <a:lstStyle/>
-          <a:p>
-            <a:r>
-              <a:rPr lang="en-US" dirty="0" smtClean="0"/>
-              <a:t>Use AES encryption for both secrecy and integrity since it won’t decrypt successfully if the sender doesn’t have the same encryption key as receiver</a:t>
-            </a:r>
-          </a:p>
-          <a:p>
-            <a:r>
-              <a:rPr lang="en-US" dirty="0" smtClean="0"/>
-              <a:t>Copy some example AES code from MSDN (or Stack Overflow) and go from there</a:t>
-            </a:r>
-            <a:endParaRPr lang="en-US" dirty="0"/>
-          </a:p>
-        </p:txBody>
-      </p:sp>
-    </p:spTree>
-    <p:extLst>
-      <p:ext uri="{BB962C8B-B14F-4D97-AF65-F5344CB8AC3E}">
-        <p14:creationId xmlns:p14="http://schemas.microsoft.com/office/powerpoint/2010/main" val="1977434949"/>
-      </p:ext>
-    </p:extLst>
-  </p:cSld>
-  <p:clrMapOvr>
-    <a:masterClrMapping/>
-  </p:clrMapOvr>
-  <p:timing>
-    <p:tnLst>
-      <p:par>
-        <p:cTn id="1" dur="indefinite" restart="never" nodeType="tmRoot"/>
-      </p:par>
-    </p:tnLst>
-  </p:timing>
-</p:sld>
-</file>
-
-<file path=ppt/slides/slide5.xml><?xml version="1.0" encoding="utf-8"?>
-<p:sld xmlns:a="http://schemas.openxmlformats.org/drawingml/2006/main" xmlns:r="http://schemas.openxmlformats.org/officeDocument/2006/relationships" xmlns:p="http://schemas.openxmlformats.org/presentationml/2006/main">
-  <p:cSld>
-    <p:spTree>
-      <p:nvGrpSpPr>
-        <p:cNvPr id="1" name=""/>
-        <p:cNvGrpSpPr/>
-        <p:nvPr/>
-      </p:nvGrpSpPr>
-      <p:grpSpPr>
-        <a:xfrm>
-          <a:off x="0" y="0"/>
-          <a:ext cx="0" cy="0"/>
-          <a:chOff x="0" y="0"/>
-          <a:chExt cx="0" cy="0"/>
-        </a:xfrm>
-      </p:grpSpPr>
-      <p:sp>
-        <p:nvSpPr>
-          <p:cNvPr id="2" name="Title 1"/>
-          <p:cNvSpPr>
-            <a:spLocks noGrp="1"/>
-          </p:cNvSpPr>
-          <p:nvPr>
-            <p:ph type="title"/>
-          </p:nvPr>
-        </p:nvSpPr>
-        <p:spPr/>
-        <p:txBody>
-          <a:bodyPr/>
-          <a:lstStyle/>
-          <a:p>
-            <a:r>
-              <a:rPr lang="en-US" dirty="0" smtClean="0"/>
               <a:t>Let’s Code</a:t>
             </a:r>
             <a:endParaRPr lang="en-US" dirty="0"/>
@@ -3741,7 +3868,7 @@
 </p:sld>
 </file>
 
-<file path=ppt/slides/slide6.xml><?xml version="1.0" encoding="utf-8"?>
+<file path=ppt/slides/slide5.xml><?xml version="1.0" encoding="utf-8"?>
 <p:sld xmlns:a="http://schemas.openxmlformats.org/drawingml/2006/main" xmlns:r="http://schemas.openxmlformats.org/officeDocument/2006/relationships" xmlns:p="http://schemas.openxmlformats.org/presentationml/2006/main">
   <p:cSld>
     <p:spTree>
@@ -3904,6 +4031,152 @@
 </p:sld>
 </file>
 
+<file path=ppt/slides/slide6.xml><?xml version="1.0" encoding="utf-8"?>
+<p:sld xmlns:a="http://schemas.openxmlformats.org/drawingml/2006/main" xmlns:r="http://schemas.openxmlformats.org/officeDocument/2006/relationships" xmlns:p="http://schemas.openxmlformats.org/presentationml/2006/main">
+  <p:cSld>
+    <p:spTree>
+      <p:nvGrpSpPr>
+        <p:cNvPr id="1" name=""/>
+        <p:cNvGrpSpPr/>
+        <p:nvPr/>
+      </p:nvGrpSpPr>
+      <p:grpSpPr>
+        <a:xfrm>
+          <a:off x="0" y="0"/>
+          <a:ext cx="0" cy="0"/>
+          <a:chOff x="0" y="0"/>
+          <a:chExt cx="0" cy="0"/>
+        </a:xfrm>
+      </p:grpSpPr>
+      <p:sp>
+        <p:nvSpPr>
+          <p:cNvPr id="2" name="Title 1"/>
+          <p:cNvSpPr>
+            <a:spLocks noGrp="1"/>
+          </p:cNvSpPr>
+          <p:nvPr>
+            <p:ph type="title"/>
+          </p:nvPr>
+        </p:nvSpPr>
+        <p:spPr/>
+        <p:txBody>
+          <a:bodyPr/>
+          <a:lstStyle/>
+          <a:p>
+            <a:r>
+              <a:rPr lang="en-US" dirty="0" smtClean="0"/>
+              <a:t>The Cryptographic Doom Principle</a:t>
+            </a:r>
+            <a:endParaRPr lang="en-US" dirty="0"/>
+          </a:p>
+        </p:txBody>
+      </p:sp>
+      <p:sp>
+        <p:nvSpPr>
+          <p:cNvPr id="3" name="Content Placeholder 2"/>
+          <p:cNvSpPr>
+            <a:spLocks noGrp="1"/>
+          </p:cNvSpPr>
+          <p:nvPr>
+            <p:ph idx="1"/>
+          </p:nvPr>
+        </p:nvSpPr>
+        <p:spPr/>
+        <p:txBody>
+          <a:bodyPr/>
+          <a:lstStyle/>
+          <a:p>
+            <a:pPr marL="0" indent="0">
+              <a:buNone/>
+            </a:pPr>
+            <a:r>
+              <a:rPr lang="en-US" dirty="0" smtClean="0"/>
+              <a:t>“If </a:t>
+            </a:r>
+            <a:r>
+              <a:rPr lang="en-US" dirty="0"/>
+              <a:t>you have to perform </a:t>
+            </a:r>
+            <a:r>
+              <a:rPr lang="en-US" i="1" dirty="0"/>
+              <a:t>any</a:t>
+            </a:r>
+            <a:r>
+              <a:rPr lang="en-US" dirty="0"/>
+              <a:t> cryptographic operation before verifying the MAC on a message you’ve received, it will </a:t>
+            </a:r>
+            <a:r>
+              <a:rPr lang="en-US" i="1" dirty="0"/>
+              <a:t>somehow</a:t>
+            </a:r>
+            <a:r>
+              <a:rPr lang="en-US" dirty="0"/>
+              <a:t> inevitably lead to doom</a:t>
+            </a:r>
+            <a:r>
+              <a:rPr lang="en-US" dirty="0" smtClean="0"/>
+              <a:t>.”</a:t>
+            </a:r>
+          </a:p>
+          <a:p>
+            <a:pPr marL="0" indent="0">
+              <a:buNone/>
+            </a:pPr>
+            <a:r>
+              <a:rPr lang="en-US" dirty="0"/>
+              <a:t> - Moxie </a:t>
+            </a:r>
+            <a:r>
+              <a:rPr lang="en-US" dirty="0" smtClean="0"/>
+              <a:t>Marlinspike </a:t>
+            </a:r>
+          </a:p>
+          <a:p>
+            <a:pPr marL="0" indent="0">
+              <a:buNone/>
+            </a:pPr>
+            <a:r>
+              <a:rPr lang="en-US" sz="1400" dirty="0">
+                <a:hlinkClick r:id="rId2"/>
+              </a:rPr>
+              <a:t>http://www.thoughtcrime.org/blog/the-cryptographic-doom-principle</a:t>
+            </a:r>
+            <a:r>
+              <a:rPr lang="en-US" sz="1400" dirty="0" smtClean="0">
+                <a:hlinkClick r:id="rId2"/>
+              </a:rPr>
+              <a:t>/</a:t>
+            </a:r>
+            <a:endParaRPr lang="en-US" sz="1400" dirty="0" smtClean="0"/>
+          </a:p>
+          <a:p>
+            <a:pPr marL="0" indent="0">
+              <a:buNone/>
+            </a:pPr>
+            <a:endParaRPr lang="en-US" dirty="0"/>
+          </a:p>
+        </p:txBody>
+      </p:sp>
+    </p:spTree>
+    <p:extLst>
+      <p:ext uri="{BB962C8B-B14F-4D97-AF65-F5344CB8AC3E}">
+        <p14:creationId xmlns:p14="http://schemas.microsoft.com/office/powerpoint/2010/main" val="723428444"/>
+      </p:ext>
+    </p:extLst>
+  </p:cSld>
+  <p:clrMapOvr>
+    <a:masterClrMapping/>
+  </p:clrMapOvr>
+  <p:timing>
+    <p:tnLst>
+      <p:par>
+        <p:cTn id="1" dur="indefinite" restart="never" nodeType="tmRoot"/>
+      </p:par>
+    </p:tnLst>
+  </p:timing>
+</p:sld>
+</file>
+
 <file path=ppt/slides/slide7.xml><?xml version="1.0" encoding="utf-8"?>
 <p:sld xmlns:a="http://schemas.openxmlformats.org/drawingml/2006/main" xmlns:r="http://schemas.openxmlformats.org/officeDocument/2006/relationships" xmlns:p="http://schemas.openxmlformats.org/presentationml/2006/main">
   <p:cSld>
@@ -3938,7 +4211,7 @@
           <a:p>
             <a:r>
               <a:rPr lang="en-US" dirty="0" smtClean="0"/>
-              <a:t>The Cryptographic Doom Principle</a:t>
+              <a:t>Bonus Pitfall</a:t>
             </a:r>
             <a:endParaRPr lang="en-US" dirty="0"/>
           </a:p>
@@ -3963,69 +4236,13 @@
               <a:buNone/>
             </a:pPr>
             <a:r>
+              <a:rPr lang="en-US" dirty="0"/>
+              <a:t>non-constant time </a:t>
+            </a:r>
+            <a:r>
               <a:rPr lang="en-US" dirty="0" smtClean="0"/>
-              <a:t>“If </a:t>
-            </a:r>
-            <a:r>
-              <a:rPr lang="en-US" dirty="0"/>
-              <a:t>you have to perform </a:t>
-            </a:r>
-            <a:r>
-              <a:rPr lang="en-US" i="1" dirty="0"/>
-              <a:t>any</a:t>
-            </a:r>
-            <a:r>
-              <a:rPr lang="en-US" dirty="0"/>
-              <a:t> cryptographic operation before verifying the MAC on a message you’ve received, it will </a:t>
-            </a:r>
-            <a:r>
-              <a:rPr lang="en-US" i="1" dirty="0"/>
-              <a:t>somehow</a:t>
-            </a:r>
-            <a:r>
-              <a:rPr lang="en-US" dirty="0"/>
-              <a:t> inevitably lead to doom</a:t>
-            </a:r>
-            <a:r>
-              <a:rPr lang="en-US" dirty="0" smtClean="0"/>
-              <a:t>.”</a:t>
-            </a:r>
-          </a:p>
-          <a:p>
-            <a:pPr marL="0" indent="0">
-              <a:buNone/>
-            </a:pPr>
-            <a:r>
-              <a:rPr lang="en-US" dirty="0"/>
-              <a:t> - Moxie </a:t>
-            </a:r>
-            <a:r>
-              <a:rPr lang="en-US" dirty="0" smtClean="0"/>
-              <a:t>Marlinspike </a:t>
-            </a:r>
-          </a:p>
-          <a:p>
-            <a:pPr marL="0" indent="0">
-              <a:buNone/>
-            </a:pPr>
-            <a:r>
-              <a:rPr lang="en-US" sz="1400" dirty="0">
-                <a:hlinkClick r:id="rId2"/>
-              </a:rPr>
-              <a:t>http://www.thoughtcrime.org/blog/the-cryptographic-doom-principle</a:t>
-            </a:r>
-            <a:r>
-              <a:rPr lang="en-US" sz="1400" dirty="0" smtClean="0">
-                <a:hlinkClick r:id="rId2"/>
-              </a:rPr>
-              <a:t>/</a:t>
-            </a:r>
-            <a:endParaRPr lang="en-US" sz="1400" dirty="0" smtClean="0"/>
-          </a:p>
-          <a:p>
-            <a:pPr marL="0" indent="0">
-              <a:buNone/>
-            </a:pPr>
+              <a:t>comparison of the MAC</a:t>
+            </a:r>
             <a:endParaRPr lang="en-US" dirty="0"/>
           </a:p>
         </p:txBody>
@@ -4033,7 +4250,7 @@
     </p:spTree>
     <p:extLst>
       <p:ext uri="{BB962C8B-B14F-4D97-AF65-F5344CB8AC3E}">
-        <p14:creationId xmlns:p14="http://schemas.microsoft.com/office/powerpoint/2010/main" val="723428444"/>
+        <p14:creationId xmlns:p14="http://schemas.microsoft.com/office/powerpoint/2010/main" val="1025169133"/>
       </p:ext>
     </p:extLst>
   </p:cSld>
@@ -4084,7 +4301,7 @@
           <a:p>
             <a:r>
               <a:rPr lang="en-US" dirty="0" smtClean="0"/>
-              <a:t>Encrypt-then-Authenticate</a:t>
+              <a:t>What should we have done?</a:t>
             </a:r>
             <a:endParaRPr lang="en-US" dirty="0"/>
           </a:p>
@@ -4092,7 +4309,7 @@
       </p:sp>
       <p:sp>
         <p:nvSpPr>
-          <p:cNvPr id="3" name="Content Placeholder 2"/>
+          <p:cNvPr id="4" name="Content Placeholder 3"/>
           <p:cNvSpPr>
             <a:spLocks noGrp="1"/>
           </p:cNvSpPr>
@@ -4105,74 +4322,14 @@
           <a:bodyPr/>
           <a:lstStyle/>
           <a:p>
-            <a:pPr marL="514350" indent="-514350">
-              <a:buFont typeface="+mj-lt"/>
-              <a:buAutoNum type="arabicPeriod"/>
-            </a:pPr>
-            <a:r>
-              <a:rPr lang="en-US" dirty="0" smtClean="0"/>
-              <a:t>After generating the encrypted token (with IV), run HMAC on it (with separate key) and send the hash along</a:t>
-            </a:r>
-          </a:p>
-          <a:p>
-            <a:pPr marL="514350" indent="-514350">
-              <a:buFont typeface="+mj-lt"/>
-              <a:buAutoNum type="arabicPeriod"/>
-            </a:pPr>
-            <a:r>
-              <a:rPr lang="en-US" dirty="0" smtClean="0"/>
-              <a:t>Before decrypting, verify the </a:t>
-            </a:r>
-            <a:r>
-              <a:rPr lang="en-US" dirty="0" smtClean="0"/>
-              <a:t>hash</a:t>
-            </a:r>
-          </a:p>
-          <a:p>
-            <a:pPr marL="514350" indent="-514350">
-              <a:buFont typeface="+mj-lt"/>
-              <a:buAutoNum type="arabicPeriod"/>
-            </a:pPr>
-            <a:r>
-              <a:rPr lang="en-US" dirty="0" smtClean="0"/>
-              <a:t>Only </a:t>
-            </a:r>
-            <a:r>
-              <a:rPr lang="en-US" dirty="0" smtClean="0"/>
-              <a:t>once we’re confident of the token’s integrity should we begin to decrypt it</a:t>
-            </a:r>
-          </a:p>
-          <a:p>
-            <a:pPr marL="514350" indent="-514350">
-              <a:buFont typeface="+mj-lt"/>
-              <a:buAutoNum type="arabicPeriod"/>
-            </a:pPr>
-            <a:endParaRPr lang="en-US" dirty="0"/>
-          </a:p>
-          <a:p>
-            <a:pPr marL="0" indent="0">
-              <a:buNone/>
-            </a:pPr>
-            <a:r>
-              <a:rPr lang="en-US" dirty="0" smtClean="0"/>
-              <a:t>Note: there are some modes (e.g. AES-GCM) that are designed for authenticated encryption in one pass, but none appear to be part of </a:t>
-            </a:r>
-            <a:r>
-              <a:rPr lang="en-US" dirty="0" err="1" smtClean="0"/>
-              <a:t>.Net</a:t>
-            </a:r>
-            <a:r>
-              <a:rPr lang="en-US" dirty="0" smtClean="0"/>
-              <a:t> yet.</a:t>
-            </a:r>
-            <a:endParaRPr lang="en-US" dirty="0"/>
+            <a:endParaRPr lang="en-US"/>
           </a:p>
         </p:txBody>
       </p:sp>
     </p:spTree>
     <p:extLst>
       <p:ext uri="{BB962C8B-B14F-4D97-AF65-F5344CB8AC3E}">
-        <p14:creationId xmlns:p14="http://schemas.microsoft.com/office/powerpoint/2010/main" val="2579414604"/>
+        <p14:creationId xmlns:p14="http://schemas.microsoft.com/office/powerpoint/2010/main" val="1206690034"/>
       </p:ext>
     </p:extLst>
   </p:cSld>
@@ -4223,7 +4380,7 @@
           <a:p>
             <a:r>
               <a:rPr lang="en-US" dirty="0" smtClean="0"/>
-              <a:t>Bonus Pitfall</a:t>
+              <a:t>Encrypt-then-Authenticate</a:t>
             </a:r>
             <a:endParaRPr lang="en-US" dirty="0"/>
           </a:p>
@@ -4244,16 +4401,49 @@
           <a:bodyPr/>
           <a:lstStyle/>
           <a:p>
+            <a:pPr marL="514350" indent="-514350">
+              <a:buFont typeface="+mj-lt"/>
+              <a:buAutoNum type="arabicPeriod"/>
+            </a:pPr>
+            <a:r>
+              <a:rPr lang="en-US" dirty="0" smtClean="0"/>
+              <a:t>After generating the encrypted token (with IV), run HMAC on it (with separate key) and send the hash along</a:t>
+            </a:r>
+          </a:p>
+          <a:p>
+            <a:pPr marL="514350" indent="-514350">
+              <a:buFont typeface="+mj-lt"/>
+              <a:buAutoNum type="arabicPeriod"/>
+            </a:pPr>
+            <a:r>
+              <a:rPr lang="en-US" dirty="0" smtClean="0"/>
+              <a:t>Before decrypting, verify the hash</a:t>
+            </a:r>
+          </a:p>
+          <a:p>
+            <a:pPr marL="514350" indent="-514350">
+              <a:buFont typeface="+mj-lt"/>
+              <a:buAutoNum type="arabicPeriod"/>
+            </a:pPr>
+            <a:r>
+              <a:rPr lang="en-US" dirty="0" smtClean="0"/>
+              <a:t>Only once we’re confident of the token’s integrity should we begin to decrypt it</a:t>
+            </a:r>
+          </a:p>
+          <a:p>
+            <a:pPr marL="514350" indent="-514350">
+              <a:buFont typeface="+mj-lt"/>
+              <a:buAutoNum type="arabicPeriod"/>
+            </a:pPr>
+            <a:endParaRPr lang="en-US" dirty="0"/>
+          </a:p>
+          <a:p>
             <a:pPr marL="0" indent="0">
               <a:buNone/>
             </a:pPr>
             <a:r>
-              <a:rPr lang="en-US" dirty="0"/>
-              <a:t>non-constant time </a:t>
-            </a:r>
-            <a:r>
               <a:rPr lang="en-US" dirty="0" smtClean="0"/>
-              <a:t>comparison of the MAC</a:t>
+              <a:t>Note also AES-GCM</a:t>
             </a:r>
             <a:endParaRPr lang="en-US" dirty="0"/>
           </a:p>
@@ -4262,7 +4452,7 @@
     </p:spTree>
     <p:extLst>
       <p:ext uri="{BB962C8B-B14F-4D97-AF65-F5344CB8AC3E}">
-        <p14:creationId xmlns:p14="http://schemas.microsoft.com/office/powerpoint/2010/main" val="1025169133"/>
+        <p14:creationId xmlns:p14="http://schemas.microsoft.com/office/powerpoint/2010/main" val="2579414604"/>
       </p:ext>
     </p:extLst>
   </p:cSld>

--- a/Presentation/Crypto-Pitfalls.pptx
+++ b/Presentation/Crypto-Pitfalls.pptx
@@ -16,7 +16,6 @@
     <p:sldId id="265" r:id="rId10"/>
     <p:sldId id="260" r:id="rId11"/>
     <p:sldId id="262" r:id="rId12"/>
-    <p:sldId id="268" r:id="rId13"/>
   </p:sldIdLst>
   <p:sldSz cx="12192000" cy="6858000"/>
   <p:notesSz cx="7010400" cy="9296400"/>
@@ -254,7 +253,7 @@
           <a:p>
             <a:fld id="{82B1C88E-CFFD-47E5-AEA1-568AFED29D99}" type="datetimeFigureOut">
               <a:rPr lang="en-US" smtClean="0"/>
-              <a:t>10/17/2015</a:t>
+              <a:t>10/19/2015</a:t>
             </a:fld>
             <a:endParaRPr lang="en-US"/>
           </a:p>
@@ -424,7 +423,7 @@
           <a:p>
             <a:fld id="{82B1C88E-CFFD-47E5-AEA1-568AFED29D99}" type="datetimeFigureOut">
               <a:rPr lang="en-US" smtClean="0"/>
-              <a:t>10/17/2015</a:t>
+              <a:t>10/19/2015</a:t>
             </a:fld>
             <a:endParaRPr lang="en-US"/>
           </a:p>
@@ -604,7 +603,7 @@
           <a:p>
             <a:fld id="{82B1C88E-CFFD-47E5-AEA1-568AFED29D99}" type="datetimeFigureOut">
               <a:rPr lang="en-US" smtClean="0"/>
-              <a:t>10/17/2015</a:t>
+              <a:t>10/19/2015</a:t>
             </a:fld>
             <a:endParaRPr lang="en-US"/>
           </a:p>
@@ -774,7 +773,7 @@
           <a:p>
             <a:fld id="{82B1C88E-CFFD-47E5-AEA1-568AFED29D99}" type="datetimeFigureOut">
               <a:rPr lang="en-US" smtClean="0"/>
-              <a:t>10/17/2015</a:t>
+              <a:t>10/19/2015</a:t>
             </a:fld>
             <a:endParaRPr lang="en-US"/>
           </a:p>
@@ -1020,7 +1019,7 @@
           <a:p>
             <a:fld id="{82B1C88E-CFFD-47E5-AEA1-568AFED29D99}" type="datetimeFigureOut">
               <a:rPr lang="en-US" smtClean="0"/>
-              <a:t>10/17/2015</a:t>
+              <a:t>10/19/2015</a:t>
             </a:fld>
             <a:endParaRPr lang="en-US"/>
           </a:p>
@@ -1252,7 +1251,7 @@
           <a:p>
             <a:fld id="{82B1C88E-CFFD-47E5-AEA1-568AFED29D99}" type="datetimeFigureOut">
               <a:rPr lang="en-US" smtClean="0"/>
-              <a:t>10/17/2015</a:t>
+              <a:t>10/19/2015</a:t>
             </a:fld>
             <a:endParaRPr lang="en-US"/>
           </a:p>
@@ -1619,7 +1618,7 @@
           <a:p>
             <a:fld id="{82B1C88E-CFFD-47E5-AEA1-568AFED29D99}" type="datetimeFigureOut">
               <a:rPr lang="en-US" smtClean="0"/>
-              <a:t>10/17/2015</a:t>
+              <a:t>10/19/2015</a:t>
             </a:fld>
             <a:endParaRPr lang="en-US"/>
           </a:p>
@@ -1737,7 +1736,7 @@
           <a:p>
             <a:fld id="{82B1C88E-CFFD-47E5-AEA1-568AFED29D99}" type="datetimeFigureOut">
               <a:rPr lang="en-US" smtClean="0"/>
-              <a:t>10/17/2015</a:t>
+              <a:t>10/19/2015</a:t>
             </a:fld>
             <a:endParaRPr lang="en-US"/>
           </a:p>
@@ -1832,7 +1831,7 @@
           <a:p>
             <a:fld id="{82B1C88E-CFFD-47E5-AEA1-568AFED29D99}" type="datetimeFigureOut">
               <a:rPr lang="en-US" smtClean="0"/>
-              <a:t>10/17/2015</a:t>
+              <a:t>10/19/2015</a:t>
             </a:fld>
             <a:endParaRPr lang="en-US"/>
           </a:p>
@@ -2109,7 +2108,7 @@
           <a:p>
             <a:fld id="{82B1C88E-CFFD-47E5-AEA1-568AFED29D99}" type="datetimeFigureOut">
               <a:rPr lang="en-US" smtClean="0"/>
-              <a:t>10/17/2015</a:t>
+              <a:t>10/19/2015</a:t>
             </a:fld>
             <a:endParaRPr lang="en-US"/>
           </a:p>
@@ -2362,7 +2361,7 @@
           <a:p>
             <a:fld id="{82B1C88E-CFFD-47E5-AEA1-568AFED29D99}" type="datetimeFigureOut">
               <a:rPr lang="en-US" smtClean="0"/>
-              <a:t>10/17/2015</a:t>
+              <a:t>10/19/2015</a:t>
             </a:fld>
             <a:endParaRPr lang="en-US"/>
           </a:p>
@@ -2575,7 +2574,7 @@
           <a:p>
             <a:fld id="{82B1C88E-CFFD-47E5-AEA1-568AFED29D99}" type="datetimeFigureOut">
               <a:rPr lang="en-US" smtClean="0"/>
-              <a:t>10/17/2015</a:t>
+              <a:t>10/19/2015</a:t>
             </a:fld>
             <a:endParaRPr lang="en-US"/>
           </a:p>
@@ -3396,206 +3395,6 @@
 </p:sld>
 </file>
 
-<file path=ppt/slides/slide12.xml><?xml version="1.0" encoding="utf-8"?>
-<p:sld xmlns:a="http://schemas.openxmlformats.org/drawingml/2006/main" xmlns:r="http://schemas.openxmlformats.org/officeDocument/2006/relationships" xmlns:p="http://schemas.openxmlformats.org/presentationml/2006/main">
-  <p:cSld>
-    <p:spTree>
-      <p:nvGrpSpPr>
-        <p:cNvPr id="1" name=""/>
-        <p:cNvGrpSpPr/>
-        <p:nvPr/>
-      </p:nvGrpSpPr>
-      <p:grpSpPr>
-        <a:xfrm>
-          <a:off x="0" y="0"/>
-          <a:ext cx="0" cy="0"/>
-          <a:chOff x="0" y="0"/>
-          <a:chExt cx="0" cy="0"/>
-        </a:xfrm>
-      </p:grpSpPr>
-      <p:sp>
-        <p:nvSpPr>
-          <p:cNvPr id="2" name="Title 1"/>
-          <p:cNvSpPr>
-            <a:spLocks noGrp="1"/>
-          </p:cNvSpPr>
-          <p:nvPr>
-            <p:ph type="title"/>
-          </p:nvPr>
-        </p:nvSpPr>
-        <p:spPr/>
-        <p:txBody>
-          <a:bodyPr/>
-          <a:lstStyle/>
-          <a:p>
-            <a:r>
-              <a:rPr lang="en-US" smtClean="0"/>
-              <a:t>The End</a:t>
-            </a:r>
-            <a:endParaRPr lang="en-US" dirty="0"/>
-          </a:p>
-        </p:txBody>
-      </p:sp>
-      <p:sp>
-        <p:nvSpPr>
-          <p:cNvPr id="3" name="Content Placeholder 2"/>
-          <p:cNvSpPr>
-            <a:spLocks noGrp="1"/>
-          </p:cNvSpPr>
-          <p:nvPr>
-            <p:ph idx="1"/>
-          </p:nvPr>
-        </p:nvSpPr>
-        <p:spPr/>
-        <p:txBody>
-          <a:bodyPr>
-            <a:normAutofit/>
-          </a:bodyPr>
-          <a:lstStyle/>
-          <a:p>
-            <a:pPr marL="0" indent="0">
-              <a:buNone/>
-            </a:pPr>
-            <a:r>
-              <a:rPr lang="en-US" dirty="0" smtClean="0"/>
-              <a:t>Feedback welcome:</a:t>
-            </a:r>
-            <a:endParaRPr lang="en-US" dirty="0" smtClean="0">
-              <a:hlinkClick r:id="rId2"/>
-            </a:endParaRPr>
-          </a:p>
-          <a:p>
-            <a:pPr marL="0" indent="0">
-              <a:buNone/>
-            </a:pPr>
-            <a:r>
-              <a:rPr lang="en-US" dirty="0" smtClean="0">
-                <a:hlinkClick r:id="rId2"/>
-              </a:rPr>
-              <a:t>stevepatches@gmail.com</a:t>
-            </a:r>
-            <a:endParaRPr lang="en-US" dirty="0" smtClean="0"/>
-          </a:p>
-          <a:p>
-            <a:pPr marL="0" indent="0">
-              <a:buNone/>
-            </a:pPr>
-            <a:endParaRPr lang="en-US" dirty="0"/>
-          </a:p>
-          <a:p>
-            <a:pPr marL="0" indent="0">
-              <a:buNone/>
-            </a:pPr>
-            <a:r>
-              <a:rPr lang="en-US" dirty="0"/>
-              <a:t>Code &amp; slides from this </a:t>
-            </a:r>
-            <a:r>
-              <a:rPr lang="en-US" dirty="0" smtClean="0"/>
-              <a:t>presentation:</a:t>
-            </a:r>
-          </a:p>
-          <a:p>
-            <a:pPr marL="0" indent="0">
-              <a:buNone/>
-            </a:pPr>
-            <a:r>
-              <a:rPr lang="en-US" dirty="0" smtClean="0">
-                <a:hlinkClick r:id="rId3"/>
-              </a:rPr>
-              <a:t>https</a:t>
-            </a:r>
-            <a:r>
-              <a:rPr lang="en-US" dirty="0">
-                <a:hlinkClick r:id="rId3"/>
-              </a:rPr>
-              <a:t>://github.com/explunit/crypto-pitfalls</a:t>
-            </a:r>
-            <a:endParaRPr lang="en-US" dirty="0"/>
-          </a:p>
-          <a:p>
-            <a:pPr marL="0" indent="0">
-              <a:buNone/>
-            </a:pPr>
-            <a:endParaRPr lang="en-US" dirty="0" smtClean="0"/>
-          </a:p>
-          <a:p>
-            <a:pPr marL="0" indent="0">
-              <a:buNone/>
-            </a:pPr>
-            <a:r>
-              <a:rPr lang="en-US" dirty="0" err="1" smtClean="0"/>
-              <a:t>CareEvolution</a:t>
-            </a:r>
-            <a:r>
-              <a:rPr lang="en-US" dirty="0" smtClean="0"/>
-              <a:t> is hiring:</a:t>
-            </a:r>
-          </a:p>
-          <a:p>
-            <a:pPr marL="0" indent="0">
-              <a:buNone/>
-            </a:pPr>
-            <a:r>
-              <a:rPr lang="en-US" dirty="0">
-                <a:hlinkClick r:id="rId4"/>
-              </a:rPr>
-              <a:t>http://</a:t>
-            </a:r>
-            <a:r>
-              <a:rPr lang="en-US" dirty="0" smtClean="0">
-                <a:hlinkClick r:id="rId4"/>
-              </a:rPr>
-              <a:t>letsfixhealthcare.com</a:t>
-            </a:r>
-            <a:endParaRPr lang="en-US" dirty="0"/>
-          </a:p>
-          <a:p>
-            <a:pPr marL="0" indent="0">
-              <a:buNone/>
-            </a:pPr>
-            <a:endParaRPr lang="en-US" dirty="0" smtClean="0"/>
-          </a:p>
-          <a:p>
-            <a:pPr marL="0" indent="0">
-              <a:buNone/>
-            </a:pPr>
-            <a:endParaRPr lang="en-US" dirty="0" smtClean="0"/>
-          </a:p>
-          <a:p>
-            <a:pPr marL="0" indent="0">
-              <a:buNone/>
-            </a:pPr>
-            <a:endParaRPr lang="en-US" dirty="0"/>
-          </a:p>
-          <a:p>
-            <a:pPr marL="0" indent="0">
-              <a:buNone/>
-            </a:pPr>
-            <a:endParaRPr lang="en-US" dirty="0"/>
-          </a:p>
-        </p:txBody>
-      </p:sp>
-    </p:spTree>
-    <p:extLst>
-      <p:ext uri="{BB962C8B-B14F-4D97-AF65-F5344CB8AC3E}">
-        <p14:creationId xmlns:p14="http://schemas.microsoft.com/office/powerpoint/2010/main" val="2476118049"/>
-      </p:ext>
-    </p:extLst>
-  </p:cSld>
-  <p:clrMapOvr>
-    <a:masterClrMapping/>
-  </p:clrMapOvr>
-  <p:timing>
-    <p:tnLst>
-      <p:par>
-        <p:cTn id="1" dur="indefinite" restart="never" nodeType="tmRoot"/>
-      </p:par>
-    </p:tnLst>
-  </p:timing>
-</p:sld>
-</file>
-
 <file path=ppt/slides/slide2.xml><?xml version="1.0" encoding="utf-8"?>
 <p:sld xmlns:a="http://schemas.openxmlformats.org/drawingml/2006/main" xmlns:r="http://schemas.openxmlformats.org/officeDocument/2006/relationships" xmlns:p="http://schemas.openxmlformats.org/presentationml/2006/main">
   <p:cSld>
